--- a/Sallary gap predictionfrom OECD.pptx
+++ b/Sallary gap predictionfrom OECD.pptx
@@ -108,6 +108,22 @@
       </a:defRPr>
     </a:lvl9pPr>
   </p:defaultTextStyle>
+  <p:extLst>
+    <p:ext uri="{EFAFB233-063F-42B5-8137-9DF3F51BA10A}">
+      <p15:sldGuideLst xmlns:p15="http://schemas.microsoft.com/office/powerpoint/2012/main">
+        <p15:guide id="1" orient="horz" pos="2160">
+          <p15:clr>
+            <a:srgbClr val="A4A3A4"/>
+          </p15:clr>
+        </p15:guide>
+        <p15:guide id="2" pos="3840">
+          <p15:clr>
+            <a:srgbClr val="A4A3A4"/>
+          </p15:clr>
+        </p15:guide>
+      </p15:sldGuideLst>
+    </p:ext>
+  </p:extLst>
 </p:presentation>
 </file>
 
@@ -148,7 +164,7 @@
             <a:avLst/>
           </a:prstGeom>
           <a:blipFill dpi="0" rotWithShape="1">
-            <a:blip r:embed="rId2">
+            <a:blip r:embed="rId2" cstate="print">
               <a:alphaModFix amt="45000"/>
               <a:duotone>
                 <a:schemeClr val="accent1">
@@ -573,6 +589,7 @@
           <a:p>
             <a:fld id="{DCCFA427-BB50-4F8D-8FC4-B0EA0BA5795C}" type="datetimeFigureOut">
               <a:rPr lang="en-US" smtClean="0"/>
+              <a:pPr/>
               <a:t>11/28/2016</a:t>
             </a:fld>
             <a:endParaRPr lang="en-US"/>
@@ -647,6 +664,7 @@
           <a:p>
             <a:fld id="{7992E1F9-4F47-4E28-98B1-B5BC2AC5DF2F}" type="slidenum">
               <a:rPr lang="en-US" smtClean="0"/>
+              <a:pPr/>
               <a:t>‹#›</a:t>
             </a:fld>
             <a:endParaRPr lang="en-US"/>
@@ -775,6 +793,7 @@
           <a:p>
             <a:fld id="{DCCFA427-BB50-4F8D-8FC4-B0EA0BA5795C}" type="datetimeFigureOut">
               <a:rPr lang="en-US" smtClean="0"/>
+              <a:pPr/>
               <a:t>11/28/2016</a:t>
             </a:fld>
             <a:endParaRPr lang="en-US"/>
@@ -817,6 +836,7 @@
           <a:p>
             <a:fld id="{7992E1F9-4F47-4E28-98B1-B5BC2AC5DF2F}" type="slidenum">
               <a:rPr lang="en-US" smtClean="0"/>
+              <a:pPr/>
               <a:t>‹#›</a:t>
             </a:fld>
             <a:endParaRPr lang="en-US"/>
@@ -955,6 +975,7 @@
           <a:p>
             <a:fld id="{DCCFA427-BB50-4F8D-8FC4-B0EA0BA5795C}" type="datetimeFigureOut">
               <a:rPr lang="en-US" smtClean="0"/>
+              <a:pPr/>
               <a:t>11/28/2016</a:t>
             </a:fld>
             <a:endParaRPr lang="en-US"/>
@@ -997,6 +1018,7 @@
           <a:p>
             <a:fld id="{7992E1F9-4F47-4E28-98B1-B5BC2AC5DF2F}" type="slidenum">
               <a:rPr lang="en-US" smtClean="0"/>
+              <a:pPr/>
               <a:t>‹#›</a:t>
             </a:fld>
             <a:endParaRPr lang="en-US"/>
@@ -1125,6 +1147,7 @@
           <a:p>
             <a:fld id="{DCCFA427-BB50-4F8D-8FC4-B0EA0BA5795C}" type="datetimeFigureOut">
               <a:rPr lang="en-US" smtClean="0"/>
+              <a:pPr/>
               <a:t>11/28/2016</a:t>
             </a:fld>
             <a:endParaRPr lang="en-US"/>
@@ -1167,6 +1190,7 @@
           <a:p>
             <a:fld id="{7992E1F9-4F47-4E28-98B1-B5BC2AC5DF2F}" type="slidenum">
               <a:rPr lang="en-US" smtClean="0"/>
+              <a:pPr/>
               <a:t>‹#›</a:t>
             </a:fld>
             <a:endParaRPr lang="en-US"/>
@@ -1223,7 +1247,7 @@
             <a:avLst/>
           </a:prstGeom>
           <a:blipFill dpi="0" rotWithShape="1">
-            <a:blip r:embed="rId2">
+            <a:blip r:embed="rId2" cstate="print">
               <a:alphaModFix amt="45000"/>
               <a:duotone>
                 <a:schemeClr val="accent2">
@@ -1696,6 +1720,7 @@
           <a:p>
             <a:fld id="{DCCFA427-BB50-4F8D-8FC4-B0EA0BA5795C}" type="datetimeFigureOut">
               <a:rPr lang="en-US" smtClean="0"/>
+              <a:pPr/>
               <a:t>11/28/2016</a:t>
             </a:fld>
             <a:endParaRPr lang="en-US"/>
@@ -1752,6 +1777,7 @@
           <a:p>
             <a:fld id="{7992E1F9-4F47-4E28-98B1-B5BC2AC5DF2F}" type="slidenum">
               <a:rPr lang="en-US" smtClean="0"/>
+              <a:pPr/>
               <a:t>‹#›</a:t>
             </a:fld>
             <a:endParaRPr lang="en-US"/>
@@ -1998,6 +2024,7 @@
           <a:p>
             <a:fld id="{DCCFA427-BB50-4F8D-8FC4-B0EA0BA5795C}" type="datetimeFigureOut">
               <a:rPr lang="en-US" smtClean="0"/>
+              <a:pPr/>
               <a:t>11/28/2016</a:t>
             </a:fld>
             <a:endParaRPr lang="en-US"/>
@@ -2040,6 +2067,7 @@
           <a:p>
             <a:fld id="{7992E1F9-4F47-4E28-98B1-B5BC2AC5DF2F}" type="slidenum">
               <a:rPr lang="en-US" smtClean="0"/>
+              <a:pPr/>
               <a:t>‹#›</a:t>
             </a:fld>
             <a:endParaRPr lang="en-US"/>
@@ -2435,6 +2463,7 @@
           <a:p>
             <a:fld id="{DCCFA427-BB50-4F8D-8FC4-B0EA0BA5795C}" type="datetimeFigureOut">
               <a:rPr lang="en-US" smtClean="0"/>
+              <a:pPr/>
               <a:t>11/28/2016</a:t>
             </a:fld>
             <a:endParaRPr lang="en-US"/>
@@ -2477,6 +2506,7 @@
           <a:p>
             <a:fld id="{7992E1F9-4F47-4E28-98B1-B5BC2AC5DF2F}" type="slidenum">
               <a:rPr lang="en-US" smtClean="0"/>
+              <a:pPr/>
               <a:t>‹#›</a:t>
             </a:fld>
             <a:endParaRPr lang="en-US"/>
@@ -2553,6 +2583,7 @@
           <a:p>
             <a:fld id="{DCCFA427-BB50-4F8D-8FC4-B0EA0BA5795C}" type="datetimeFigureOut">
               <a:rPr lang="en-US" smtClean="0"/>
+              <a:pPr/>
               <a:t>11/28/2016</a:t>
             </a:fld>
             <a:endParaRPr lang="en-US"/>
@@ -2595,6 +2626,7 @@
           <a:p>
             <a:fld id="{7992E1F9-4F47-4E28-98B1-B5BC2AC5DF2F}" type="slidenum">
               <a:rPr lang="en-US" smtClean="0"/>
+              <a:pPr/>
               <a:t>‹#›</a:t>
             </a:fld>
             <a:endParaRPr lang="en-US"/>
@@ -2648,6 +2680,7 @@
           <a:p>
             <a:fld id="{DCCFA427-BB50-4F8D-8FC4-B0EA0BA5795C}" type="datetimeFigureOut">
               <a:rPr lang="en-US" smtClean="0"/>
+              <a:pPr/>
               <a:t>11/28/2016</a:t>
             </a:fld>
             <a:endParaRPr lang="en-US"/>
@@ -2690,6 +2723,7 @@
           <a:p>
             <a:fld id="{7992E1F9-4F47-4E28-98B1-B5BC2AC5DF2F}" type="slidenum">
               <a:rPr lang="en-US" smtClean="0"/>
+              <a:pPr/>
               <a:t>‹#›</a:t>
             </a:fld>
             <a:endParaRPr lang="en-US"/>
@@ -3030,6 +3064,7 @@
           <a:p>
             <a:fld id="{DCCFA427-BB50-4F8D-8FC4-B0EA0BA5795C}" type="datetimeFigureOut">
               <a:rPr lang="en-US" smtClean="0"/>
+              <a:pPr/>
               <a:t>11/28/2016</a:t>
             </a:fld>
             <a:endParaRPr lang="en-US"/>
@@ -3089,6 +3124,7 @@
           <a:p>
             <a:fld id="{7992E1F9-4F47-4E28-98B1-B5BC2AC5DF2F}" type="slidenum">
               <a:rPr lang="en-US" smtClean="0"/>
+              <a:pPr/>
               <a:t>‹#›</a:t>
             </a:fld>
             <a:endParaRPr lang="en-US"/>
@@ -3424,6 +3460,7 @@
           <a:p>
             <a:fld id="{DCCFA427-BB50-4F8D-8FC4-B0EA0BA5795C}" type="datetimeFigureOut">
               <a:rPr lang="en-US" smtClean="0"/>
+              <a:pPr/>
               <a:t>11/28/2016</a:t>
             </a:fld>
             <a:endParaRPr lang="en-US"/>
@@ -3497,6 +3534,7 @@
           <a:p>
             <a:fld id="{7992E1F9-4F47-4E28-98B1-B5BC2AC5DF2F}" type="slidenum">
               <a:rPr lang="en-US" smtClean="0"/>
+              <a:pPr/>
               <a:t>‹#›</a:t>
             </a:fld>
             <a:endParaRPr lang="en-US"/>
@@ -3737,6 +3775,7 @@
           <a:p>
             <a:fld id="{DCCFA427-BB50-4F8D-8FC4-B0EA0BA5795C}" type="datetimeFigureOut">
               <a:rPr lang="en-US" smtClean="0"/>
+              <a:pPr/>
               <a:t>11/28/2016</a:t>
             </a:fld>
             <a:endParaRPr lang="en-US"/>
@@ -3817,6 +3856,7 @@
           <a:p>
             <a:fld id="{7992E1F9-4F47-4E28-98B1-B5BC2AC5DF2F}" type="slidenum">
               <a:rPr lang="en-US" smtClean="0"/>
+              <a:pPr/>
               <a:t>‹#›</a:t>
             </a:fld>
             <a:endParaRPr lang="en-US"/>
@@ -4355,14 +4395,6 @@
                   <a:schemeClr val="tx1"/>
                 </a:solidFill>
               </a:rPr>
-              <a:t>Business </a:t>
-            </a:r>
-            <a:r>
-              <a:rPr lang="en-US" dirty="0">
-                <a:solidFill>
-                  <a:schemeClr val="tx1"/>
-                </a:solidFill>
-              </a:rPr>
               <a:t>goal</a:t>
             </a:r>
             <a:r>
@@ -4399,6 +4431,13 @@
           <a:bodyPr/>
           <a:lstStyle/>
           <a:p>
+            <a:pPr marL="0" indent="0" algn="ctr">
+              <a:buNone/>
+            </a:pPr>
+            <a:r>
+              <a:rPr lang="en-US" dirty="0" smtClean="0"/>
+              <a:t>With economical and cultural advances world wide, we see that the wage and class differences between genders, are still substantial. In this project we will try to predict the wage difference, focusing on the OECD countries. Our product will be a prediction for each state in the OECD for years to come.  </a:t>
+            </a:r>
             <a:endParaRPr lang="en-US" dirty="0"/>
           </a:p>
         </p:txBody>
@@ -4471,9 +4510,33 @@
           <a:bodyPr/>
           <a:lstStyle/>
           <a:p>
+            <a:pPr>
+              <a:buNone/>
+            </a:pPr>
             <a:r>
               <a:rPr lang="en-US" dirty="0" smtClean="0"/>
-              <a:t>Gender Statistics from </a:t>
+              <a:t>Our preliminary data is:</a:t>
+            </a:r>
+          </a:p>
+          <a:p>
+            <a:r>
+              <a:rPr lang="en-US" dirty="0" smtClean="0"/>
+              <a:t>World data bank – GenderStat.xlsx</a:t>
+            </a:r>
+          </a:p>
+          <a:p>
+            <a:r>
+              <a:rPr lang="en-US" dirty="0" smtClean="0"/>
+              <a:t>OECD data center – Gender wage gaps</a:t>
+            </a:r>
+          </a:p>
+          <a:p>
+            <a:endParaRPr lang="en-US" dirty="0" smtClean="0"/>
+          </a:p>
+          <a:p>
+            <a:r>
+              <a:rPr lang="en-US" dirty="0" smtClean="0"/>
+              <a:t>The OECD data will be used as the predicted data, and we will try to build a model relying on the data from the world data bank. At first, we will try to extract features solely from this data. Exploration for new data sets will occur after model evaluation  if necessary. </a:t>
             </a:r>
             <a:endParaRPr lang="en-US" dirty="0"/>
           </a:p>
@@ -4547,7 +4610,11 @@
           <a:bodyPr/>
           <a:lstStyle/>
           <a:p>
-            <a:endParaRPr lang="en-US"/>
+            <a:r>
+              <a:rPr lang="en-US" dirty="0" smtClean="0"/>
+              <a:t>All the 44 countries in the OECD</a:t>
+            </a:r>
+            <a:endParaRPr lang="en-US" dirty="0"/>
           </a:p>
         </p:txBody>
       </p:sp>
@@ -4625,7 +4692,35 @@
           <a:p>
             <a:r>
               <a:rPr lang="en-US" dirty="0" smtClean="0"/>
-              <a:t>Complete empty data	</a:t>
+              <a:t>Our first attempt for </a:t>
+            </a:r>
+            <a:r>
+              <a:rPr lang="en-US" dirty="0" err="1" smtClean="0"/>
+              <a:t>preperation</a:t>
+            </a:r>
+            <a:r>
+              <a:rPr lang="en-US" dirty="0" smtClean="0"/>
+              <a:t> will include adding the data from the OECD data to the </a:t>
+            </a:r>
+            <a:r>
+              <a:rPr lang="en-US" smtClean="0"/>
+              <a:t>world bank, and than </a:t>
+            </a:r>
+            <a:r>
+              <a:rPr lang="en-US" dirty="0" smtClean="0"/>
+              <a:t>removing 3</a:t>
+            </a:r>
+            <a:r>
+              <a:rPr lang="en-US" baseline="30000" dirty="0" smtClean="0"/>
+              <a:t>rd</a:t>
+            </a:r>
+            <a:r>
+              <a:rPr lang="en-US" dirty="0" smtClean="0"/>
+              <a:t> world states and filling the missing values with the average of the median from the other countries with the past and future years of </a:t>
+            </a:r>
+            <a:r>
+              <a:rPr lang="en-US" smtClean="0"/>
+              <a:t>that feature.</a:t>
             </a:r>
             <a:endParaRPr lang="en-US" dirty="0"/>
           </a:p>
@@ -4687,7 +4782,7 @@
     </a:clrScheme>
     <a:fontScheme name="Savon">
       <a:majorFont>
-        <a:latin typeface="Century Gothic" panose="020B0502020202020204"/>
+        <a:latin typeface="Century Gothic"/>
         <a:ea typeface=""/>
         <a:cs typeface=""/>
         <a:font script="Jpan" typeface="ＭＳ ゴシック"/>
@@ -4722,7 +4817,7 @@
         <a:font script="Geor" typeface="Sylfaen"/>
       </a:majorFont>
       <a:minorFont>
-        <a:latin typeface="Century Gothic" panose="020B0502020202020204"/>
+        <a:latin typeface="Century Gothic"/>
         <a:ea typeface=""/>
         <a:cs typeface=""/>
         <a:font script="Jpan" typeface="ＭＳ ゴシック"/>
